--- a/修論/本文0117/figure/fig_3_2_GS_sim.pptx
+++ b/修論/本文0117/figure/fig_3_2_GS_sim.pptx
@@ -197,7 +197,7 @@
           <a:p>
             <a:fld id="{89EB5C82-AEC6-4FE6-8043-B4F61A8A44F1}" type="datetimeFigureOut">
               <a:rPr kumimoji="1" lang="ja-JP" altLang="en-US" smtClean="0"/>
-              <a:t>2019/1/27</a:t>
+              <a:t>2019/1/28</a:t>
             </a:fld>
             <a:endParaRPr kumimoji="1" lang="ja-JP" altLang="en-US"/>
           </a:p>
@@ -625,7 +625,7 @@
           <a:p>
             <a:fld id="{1A07417B-165A-4DCF-9553-23C07ABDE8BF}" type="datetime1">
               <a:rPr kumimoji="1" lang="ja-JP" altLang="en-US" smtClean="0"/>
-              <a:t>2019/1/27</a:t>
+              <a:t>2019/1/28</a:t>
             </a:fld>
             <a:endParaRPr kumimoji="1" lang="ja-JP" altLang="en-US"/>
           </a:p>
@@ -825,7 +825,7 @@
           <a:p>
             <a:fld id="{5F49FB31-C5C7-4B82-9E07-4EEBA70644B5}" type="datetime1">
               <a:rPr kumimoji="1" lang="ja-JP" altLang="en-US" smtClean="0"/>
-              <a:t>2019/1/27</a:t>
+              <a:t>2019/1/28</a:t>
             </a:fld>
             <a:endParaRPr kumimoji="1" lang="ja-JP" altLang="en-US"/>
           </a:p>
@@ -1035,7 +1035,7 @@
           <a:p>
             <a:fld id="{8889D364-F9EE-4DF6-A2F2-A4C419A4C37F}" type="datetime1">
               <a:rPr kumimoji="1" lang="ja-JP" altLang="en-US" smtClean="0"/>
-              <a:t>2019/1/27</a:t>
+              <a:t>2019/1/28</a:t>
             </a:fld>
             <a:endParaRPr kumimoji="1" lang="ja-JP" altLang="en-US"/>
           </a:p>
@@ -1245,7 +1245,7 @@
           <a:p>
             <a:fld id="{A1231B2E-EC4D-405E-BD66-51B1FB74ADC5}" type="datetime1">
               <a:rPr kumimoji="1" lang="ja-JP" altLang="en-US" smtClean="0"/>
-              <a:t>2019/1/27</a:t>
+              <a:t>2019/1/28</a:t>
             </a:fld>
             <a:endParaRPr kumimoji="1" lang="ja-JP" altLang="en-US"/>
           </a:p>
@@ -1490,7 +1490,7 @@
           <a:p>
             <a:fld id="{2C8BC571-661A-4B57-BB04-1AEC8E64FC37}" type="datetime1">
               <a:rPr kumimoji="1" lang="ja-JP" altLang="en-US" smtClean="0"/>
-              <a:t>2019/1/27</a:t>
+              <a:t>2019/1/28</a:t>
             </a:fld>
             <a:endParaRPr kumimoji="1" lang="ja-JP" altLang="en-US"/>
           </a:p>
@@ -1784,7 +1784,7 @@
           <a:p>
             <a:fld id="{284E353B-4A11-4114-BE3E-7E98B266C08A}" type="datetime1">
               <a:rPr kumimoji="1" lang="ja-JP" altLang="en-US" smtClean="0"/>
-              <a:t>2019/1/27</a:t>
+              <a:t>2019/1/28</a:t>
             </a:fld>
             <a:endParaRPr kumimoji="1" lang="ja-JP" altLang="en-US"/>
           </a:p>
@@ -2212,7 +2212,7 @@
           <a:p>
             <a:fld id="{808964D2-E5C1-41F8-8E37-7B0EBA472178}" type="datetime1">
               <a:rPr kumimoji="1" lang="ja-JP" altLang="en-US" smtClean="0"/>
-              <a:t>2019/1/27</a:t>
+              <a:t>2019/1/28</a:t>
             </a:fld>
             <a:endParaRPr kumimoji="1" lang="ja-JP" altLang="en-US"/>
           </a:p>
@@ -2329,7 +2329,7 @@
           <a:p>
             <a:fld id="{4B875656-4F4D-4F02-97D2-FC9F0E4F8368}" type="datetime1">
               <a:rPr kumimoji="1" lang="ja-JP" altLang="en-US" smtClean="0"/>
-              <a:t>2019/1/27</a:t>
+              <a:t>2019/1/28</a:t>
             </a:fld>
             <a:endParaRPr kumimoji="1" lang="ja-JP" altLang="en-US"/>
           </a:p>
@@ -2424,7 +2424,7 @@
           <a:p>
             <a:fld id="{70D4612A-A498-4280-8EC8-C137A91BA00E}" type="datetime1">
               <a:rPr kumimoji="1" lang="ja-JP" altLang="en-US" smtClean="0"/>
-              <a:t>2019/1/27</a:t>
+              <a:t>2019/1/28</a:t>
             </a:fld>
             <a:endParaRPr kumimoji="1" lang="ja-JP" altLang="en-US"/>
           </a:p>
@@ -2731,7 +2731,7 @@
           <a:p>
             <a:fld id="{7E544A3A-F8B4-46B6-A7F4-BA104F47089F}" type="datetime1">
               <a:rPr kumimoji="1" lang="ja-JP" altLang="en-US" smtClean="0"/>
-              <a:t>2019/1/27</a:t>
+              <a:t>2019/1/28</a:t>
             </a:fld>
             <a:endParaRPr kumimoji="1" lang="ja-JP" altLang="en-US"/>
           </a:p>
@@ -2986,7 +2986,7 @@
           <a:p>
             <a:fld id="{5C61A693-3EB2-40E5-944F-A15C15D15CE8}" type="datetime1">
               <a:rPr kumimoji="1" lang="ja-JP" altLang="en-US" smtClean="0"/>
-              <a:t>2019/1/27</a:t>
+              <a:t>2019/1/28</a:t>
             </a:fld>
             <a:endParaRPr kumimoji="1" lang="ja-JP" altLang="en-US"/>
           </a:p>
@@ -3229,7 +3229,7 @@
           <a:p>
             <a:fld id="{54F798B4-40B9-4467-83D0-F475F97608DD}" type="datetime1">
               <a:rPr kumimoji="1" lang="ja-JP" altLang="en-US" smtClean="0"/>
-              <a:t>2019/1/27</a:t>
+              <a:t>2019/1/28</a:t>
             </a:fld>
             <a:endParaRPr kumimoji="1" lang="ja-JP" altLang="en-US"/>
           </a:p>
@@ -3637,10 +3637,10 @@
       </p:grpSpPr>
       <p:pic>
         <p:nvPicPr>
-          <p:cNvPr id="6" name="図 5">
+          <p:cNvPr id="2" name="図 1">
             <a:extLst>
               <a:ext uri="{FF2B5EF4-FFF2-40B4-BE49-F238E27FC236}">
-                <a16:creationId xmlns:a16="http://schemas.microsoft.com/office/drawing/2014/main" id="{C31AF418-97F4-4610-9464-B3F38996354E}"/>
+                <a16:creationId xmlns:a16="http://schemas.microsoft.com/office/drawing/2014/main" id="{4B40533D-B68E-4AA6-9355-129937F79678}"/>
               </a:ext>
             </a:extLst>
           </p:cNvPr>
@@ -3657,14 +3657,116 @@
         </p:blipFill>
         <p:spPr>
           <a:xfrm>
-            <a:off x="2088873" y="2035525"/>
-            <a:ext cx="4966253" cy="2786949"/>
+            <a:off x="-203653" y="1710610"/>
+            <a:ext cx="4775653" cy="3436780"/>
           </a:xfrm>
           <a:prstGeom prst="rect">
             <a:avLst/>
           </a:prstGeom>
         </p:spPr>
       </p:pic>
+      <p:pic>
+        <p:nvPicPr>
+          <p:cNvPr id="3" name="図 2">
+            <a:extLst>
+              <a:ext uri="{FF2B5EF4-FFF2-40B4-BE49-F238E27FC236}">
+                <a16:creationId xmlns:a16="http://schemas.microsoft.com/office/drawing/2014/main" id="{2F2B8132-E367-47C9-A587-6E4AEC9DC43B}"/>
+              </a:ext>
+            </a:extLst>
+          </p:cNvPr>
+          <p:cNvPicPr>
+            <a:picLocks noChangeAspect="1"/>
+          </p:cNvPicPr>
+          <p:nvPr/>
+        </p:nvPicPr>
+        <p:blipFill>
+          <a:blip r:embed="rId3"/>
+          <a:stretch>
+            <a:fillRect/>
+          </a:stretch>
+        </p:blipFill>
+        <p:spPr>
+          <a:xfrm>
+            <a:off x="4448111" y="1646441"/>
+            <a:ext cx="4482893" cy="3436780"/>
+          </a:xfrm>
+          <a:prstGeom prst="rect">
+            <a:avLst/>
+          </a:prstGeom>
+        </p:spPr>
+      </p:pic>
+      <p:sp>
+        <p:nvSpPr>
+          <p:cNvPr id="4" name="テキスト ボックス 3">
+            <a:extLst>
+              <a:ext uri="{FF2B5EF4-FFF2-40B4-BE49-F238E27FC236}">
+                <a16:creationId xmlns:a16="http://schemas.microsoft.com/office/drawing/2014/main" id="{70E9E9DC-C2EF-4D4D-9035-11EE1E55C038}"/>
+              </a:ext>
+            </a:extLst>
+          </p:cNvPr>
+          <p:cNvSpPr txBox="1"/>
+          <p:nvPr/>
+        </p:nvSpPr>
+        <p:spPr>
+          <a:xfrm>
+            <a:off x="-56147" y="1373726"/>
+            <a:ext cx="1331495" cy="369332"/>
+          </a:xfrm>
+          <a:prstGeom prst="rect">
+            <a:avLst/>
+          </a:prstGeom>
+          <a:noFill/>
+        </p:spPr>
+        <p:txBody>
+          <a:bodyPr wrap="square" rtlCol="0">
+            <a:spAutoFit/>
+          </a:bodyPr>
+          <a:lstStyle/>
+          <a:p>
+            <a:r>
+              <a:rPr kumimoji="1" lang="en-US" altLang="ja-JP" dirty="0"/>
+              <a:t>(a)</a:t>
+            </a:r>
+            <a:endParaRPr kumimoji="1" lang="ja-JP" altLang="en-US" dirty="0"/>
+          </a:p>
+        </p:txBody>
+      </p:sp>
+      <p:sp>
+        <p:nvSpPr>
+          <p:cNvPr id="7" name="テキスト ボックス 6">
+            <a:extLst>
+              <a:ext uri="{FF2B5EF4-FFF2-40B4-BE49-F238E27FC236}">
+                <a16:creationId xmlns:a16="http://schemas.microsoft.com/office/drawing/2014/main" id="{CAF4F963-BCFD-4C85-B316-1C53710CA273}"/>
+              </a:ext>
+            </a:extLst>
+          </p:cNvPr>
+          <p:cNvSpPr txBox="1"/>
+          <p:nvPr/>
+        </p:nvSpPr>
+        <p:spPr>
+          <a:xfrm>
+            <a:off x="4275222" y="1373726"/>
+            <a:ext cx="1331495" cy="369332"/>
+          </a:xfrm>
+          <a:prstGeom prst="rect">
+            <a:avLst/>
+          </a:prstGeom>
+          <a:noFill/>
+        </p:spPr>
+        <p:txBody>
+          <a:bodyPr wrap="square" rtlCol="0">
+            <a:spAutoFit/>
+          </a:bodyPr>
+          <a:lstStyle/>
+          <a:p>
+            <a:r>
+              <a:rPr kumimoji="1" lang="en-US" altLang="ja-JP" dirty="0"/>
+              <a:t>(b)</a:t>
+            </a:r>
+            <a:endParaRPr kumimoji="1" lang="ja-JP" altLang="en-US" dirty="0"/>
+          </a:p>
+        </p:txBody>
+      </p:sp>
     </p:spTree>
     <p:extLst>
       <p:ext uri="{BB962C8B-B14F-4D97-AF65-F5344CB8AC3E}">
